--- a/1004/FInalPortfolio2.pptx
+++ b/1004/FInalPortfolio2.pptx
@@ -109,6 +109,11 @@
       </a:defRPr>
     </a:lvl9pPr>
   </p:defaultTextStyle>
+  <p:extLst>
+    <p:ext uri="{EFAFB233-063F-42B5-8137-9DF3F51BA10A}">
+      <p15:sldGuideLst xmlns:p15="http://schemas.microsoft.com/office/powerpoint/2012/main"/>
+    </p:ext>
+  </p:extLst>
 </p:presentation>
 </file>
 
@@ -237,7 +242,7 @@
             <a:fld id="{6F460C21-31D7-D644-AC9D-50FF2ABAAB37}" type="datetime1">
               <a:rPr lang="en-GB"/>
               <a:pPr lvl="0"/>
-              <a:t>12/04/2024</a:t>
+              <a:t>18/04/2024</a:t>
             </a:fld>
             <a:endParaRPr lang="en-GB"/>
           </a:p>
@@ -474,7 +479,7 @@
             <a:fld id="{2F0700D7-E81C-C04F-BB21-61B278630DDF}" type="datetime1">
               <a:rPr lang="en-GB"/>
               <a:pPr lvl="0"/>
-              <a:t>12/04/2024</a:t>
+              <a:t>18/04/2024</a:t>
             </a:fld>
             <a:endParaRPr lang="en-GB"/>
           </a:p>
@@ -720,7 +725,7 @@
             <a:fld id="{CFD822D8-6EF8-F44D-AFF8-5B67F1C7C4EA}" type="datetime1">
               <a:rPr lang="en-GB"/>
               <a:pPr lvl="0"/>
-              <a:t>12/04/2024</a:t>
+              <a:t>18/04/2024</a:t>
             </a:fld>
             <a:endParaRPr lang="en-GB"/>
           </a:p>
@@ -956,7 +961,7 @@
             <a:fld id="{0CBFD4F9-83E9-9942-A655-515470852703}" type="datetime1">
               <a:rPr lang="en-GB"/>
               <a:pPr lvl="0"/>
-              <a:t>12/04/2024</a:t>
+              <a:t>18/04/2024</a:t>
             </a:fld>
             <a:endParaRPr lang="en-GB"/>
           </a:p>
@@ -1167,7 +1172,7 @@
             <a:fld id="{F69B49E3-AAAC-C743-9FD9-FEBDBD608C27}" type="datetime1">
               <a:rPr lang="en-GB"/>
               <a:pPr lvl="0"/>
-              <a:t>12/04/2024</a:t>
+              <a:t>18/04/2024</a:t>
             </a:fld>
             <a:endParaRPr lang="en-GB"/>
           </a:p>
@@ -1487,7 +1492,7 @@
             <a:fld id="{26C7E365-FF3E-1748-BDE3-D6A8D0B0F863}" type="datetime1">
               <a:rPr lang="en-GB"/>
               <a:pPr lvl="0"/>
-              <a:t>12/04/2024</a:t>
+              <a:t>18/04/2024</a:t>
             </a:fld>
             <a:endParaRPr lang="en-GB"/>
           </a:p>
@@ -1891,7 +1896,7 @@
             <a:fld id="{91237E9C-260D-7B4E-981C-30A1F0B1ADCA}" type="datetime1">
               <a:rPr lang="en-GB"/>
               <a:pPr lvl="0"/>
-              <a:t>12/04/2024</a:t>
+              <a:t>18/04/2024</a:t>
             </a:fld>
             <a:endParaRPr lang="en-GB"/>
           </a:p>
@@ -2053,7 +2058,7 @@
             <a:fld id="{B1CE45E0-50A2-F44B-96E7-9BBA6328E186}" type="datetime1">
               <a:rPr lang="en-GB"/>
               <a:pPr lvl="0"/>
-              <a:t>12/04/2024</a:t>
+              <a:t>18/04/2024</a:t>
             </a:fld>
             <a:endParaRPr lang="en-GB"/>
           </a:p>
@@ -2181,7 +2186,7 @@
             <a:fld id="{8F375200-9C06-7C4F-A2E5-7EDE1563CDA0}" type="datetime1">
               <a:rPr lang="en-GB"/>
               <a:pPr lvl="0"/>
-              <a:t>12/04/2024</a:t>
+              <a:t>18/04/2024</a:t>
             </a:fld>
             <a:endParaRPr lang="en-GB"/>
           </a:p>
@@ -2466,7 +2471,7 @@
             <a:fld id="{7334A40F-1885-2B47-BA59-541875D06647}" type="datetime1">
               <a:rPr lang="en-GB"/>
               <a:pPr lvl="0"/>
-              <a:t>12/04/2024</a:t>
+              <a:t>18/04/2024</a:t>
             </a:fld>
             <a:endParaRPr lang="en-GB"/>
           </a:p>
@@ -2708,7 +2713,7 @@
             <a:fld id="{8F06D620-6725-0D48-B39E-43BB1F32FC59}" type="datetime1">
               <a:rPr lang="en-GB"/>
               <a:pPr lvl="0"/>
-              <a:t>12/04/2024</a:t>
+              <a:t>18/04/2024</a:t>
             </a:fld>
             <a:endParaRPr lang="en-GB"/>
           </a:p>
@@ -2991,7 +2996,7 @@
             <a:fld id="{13F05AA0-BB5A-EA40-82C9-72988189768E}" type="datetime1">
               <a:rPr lang="en-GB"/>
               <a:pPr lvl="0"/>
-              <a:t>12/04/2024</a:t>
+              <a:t>18/04/2024</a:t>
             </a:fld>
             <a:endParaRPr lang="en-GB"/>
           </a:p>
@@ -3805,27 +3810,8 @@
           <a:p>
             <a:pPr lvl="0"/>
             <a:r>
-              <a:rPr lang="en-GB" sz="4000"/>
-              <a:t>Project Plan and Sprints (</a:t>
-            </a:r>
-            <a:r>
-              <a:rPr lang="en-US" sz="4000">
-                <a:latin typeface="Söhne"/>
-              </a:rPr>
-              <a:t>Until now, I will improve this as the final submission date approaches</a:t>
-            </a:r>
-            <a:r>
-              <a:rPr lang="en-US" sz="4000">
-                <a:solidFill>
-                  <a:srgbClr val="D1D5DB"/>
-                </a:solidFill>
-                <a:latin typeface="Söhne"/>
-              </a:rPr>
-              <a:t>.</a:t>
-            </a:r>
-            <a:r>
-              <a:rPr lang="en-GB" sz="4000"/>
-              <a:t>)</a:t>
+              <a:rPr lang="en-GB" sz="4000" dirty="0"/>
+              <a:t>Project Plan and Sprints</a:t>
             </a:r>
           </a:p>
         </p:txBody>
@@ -4698,36 +4684,86 @@
           <a:p>
             <a:pPr lvl="0"/>
             <a:r>
-              <a:rPr lang="en-GB"/>
-              <a:t>Learning OpenAI API</a:t>
-            </a:r>
-          </a:p>
-          <a:p>
-            <a:pPr lvl="0"/>
-            <a:r>
-              <a:rPr lang="en-GB"/>
+              <a:rPr lang="en-GB" dirty="0"/>
+              <a:t>Learning </a:t>
+            </a:r>
+            <a:r>
+              <a:rPr lang="en-GB" dirty="0" err="1"/>
+              <a:t>OpenAI</a:t>
+            </a:r>
+            <a:r>
+              <a:rPr lang="en-GB" dirty="0"/>
+              <a:t> API</a:t>
+            </a:r>
+          </a:p>
+          <a:p>
+            <a:pPr lvl="0"/>
+            <a:r>
+              <a:rPr lang="en-GB" dirty="0"/>
               <a:t>Learning Web Development with Flask Flamework(Python)</a:t>
             </a:r>
           </a:p>
           <a:p>
             <a:pPr lvl="0"/>
             <a:r>
-              <a:rPr lang="en-GB"/>
-              <a:t>Learning DrawIO </a:t>
-            </a:r>
-          </a:p>
-          <a:p>
-            <a:pPr lvl="0"/>
-            <a:r>
-              <a:rPr lang="en-GB"/>
+              <a:rPr lang="en-GB" dirty="0"/>
+              <a:t>Learning </a:t>
+            </a:r>
+            <a:r>
+              <a:rPr lang="en-GB" dirty="0" err="1"/>
+              <a:t>DrawIO</a:t>
+            </a:r>
+            <a:r>
+              <a:rPr lang="en-GB" dirty="0"/>
+              <a:t> </a:t>
+            </a:r>
+          </a:p>
+          <a:p>
+            <a:pPr lvl="0"/>
+            <a:r>
+              <a:rPr lang="en-GB" dirty="0"/>
               <a:t>Learning CSS</a:t>
             </a:r>
           </a:p>
           <a:p>
             <a:pPr lvl="0"/>
             <a:r>
-              <a:rPr lang="en-GB"/>
+              <a:rPr lang="en-GB" dirty="0"/>
               <a:t>Learning SQLite3 Database Management </a:t>
+            </a:r>
+          </a:p>
+          <a:p>
+            <a:pPr marL="0" lvl="0" indent="0">
+              <a:buNone/>
+            </a:pPr>
+            <a:r>
+              <a:rPr lang="en-GB" sz="1600" dirty="0"/>
+              <a:t>A reflective account considering the challenges and lessons learned throughout the project development process:</a:t>
+            </a:r>
+          </a:p>
+          <a:p>
+            <a:pPr marL="0" lvl="0" indent="0">
+              <a:buNone/>
+            </a:pPr>
+            <a:r>
+              <a:rPr lang="en-GB" sz="1600" dirty="0"/>
+              <a:t>Creating a website with this level of functionality came with lots of debugging I needed to overcome, where I would have problems with Python(Flask) blueprints as well as prompt-engineering </a:t>
+            </a:r>
+            <a:r>
+              <a:rPr lang="en-GB" sz="1600" dirty="0" err="1"/>
+              <a:t>DrFit</a:t>
+            </a:r>
+            <a:r>
+              <a:rPr lang="en-GB" sz="1600" dirty="0"/>
+              <a:t> to be be the type of AI I wanted it to be; furthermore, I had great difficulty learning how to incorporate function-calling functionality into the AI, as this was a new thing at the time I implemented it, thus had to follow instructions directly from </a:t>
+            </a:r>
+            <a:r>
+              <a:rPr lang="en-GB" sz="1600" dirty="0" err="1"/>
+              <a:t>OpenAI’s</a:t>
+            </a:r>
+            <a:r>
+              <a:rPr lang="en-GB" sz="1600" dirty="0"/>
+              <a:t> documentation! Also, I had quite a few problems thus required extra revision of SQLite3.</a:t>
             </a:r>
           </a:p>
         </p:txBody>
